--- a/micro_bit/microbit课件/4.小结.pptx
+++ b/micro_bit/microbit课件/4.小结.pptx
@@ -6,6 +6,10 @@
   </p:sldMasterIdLst>
   <p:sldIdLst>
     <p:sldId id="256" r:id="rId2"/>
+    <p:sldId id="257" r:id="rId3"/>
+    <p:sldId id="258" r:id="rId4"/>
+    <p:sldId id="259" r:id="rId5"/>
+    <p:sldId id="260" r:id="rId6"/>
   </p:sldIdLst>
   <p:sldSz cx="12192000" cy="6858000"/>
   <p:notesSz cx="6858000" cy="9144000"/>
@@ -104,6 +108,11 @@
       </a:defRPr>
     </a:lvl9pPr>
   </p:defaultTextStyle>
+  <p:extLst>
+    <p:ext uri="{EFAFB233-063F-42B5-8137-9DF3F51BA10A}">
+      <p15:sldGuideLst xmlns:p15="http://schemas.microsoft.com/office/powerpoint/2012/main"/>
+    </p:ext>
+  </p:extLst>
 </p:presentation>
 </file>
 
@@ -254,7 +263,7 @@
           <a:p>
             <a:fld id="{0E008487-D9A6-4FDF-9F77-76840FDBA67E}" type="datetimeFigureOut">
               <a:rPr lang="zh-CN" altLang="en-US" smtClean="0"/>
-              <a:t>2019/1/20</a:t>
+              <a:t>2019/1/31</a:t>
             </a:fld>
             <a:endParaRPr lang="zh-CN" altLang="en-US"/>
           </a:p>
@@ -452,7 +461,7 @@
           <a:p>
             <a:fld id="{0E008487-D9A6-4FDF-9F77-76840FDBA67E}" type="datetimeFigureOut">
               <a:rPr lang="zh-CN" altLang="en-US" smtClean="0"/>
-              <a:t>2019/1/20</a:t>
+              <a:t>2019/1/31</a:t>
             </a:fld>
             <a:endParaRPr lang="zh-CN" altLang="en-US"/>
           </a:p>
@@ -660,7 +669,7 @@
           <a:p>
             <a:fld id="{0E008487-D9A6-4FDF-9F77-76840FDBA67E}" type="datetimeFigureOut">
               <a:rPr lang="zh-CN" altLang="en-US" smtClean="0"/>
-              <a:t>2019/1/20</a:t>
+              <a:t>2019/1/31</a:t>
             </a:fld>
             <a:endParaRPr lang="zh-CN" altLang="en-US"/>
           </a:p>
@@ -858,7 +867,7 @@
           <a:p>
             <a:fld id="{0E008487-D9A6-4FDF-9F77-76840FDBA67E}" type="datetimeFigureOut">
               <a:rPr lang="zh-CN" altLang="en-US" smtClean="0"/>
-              <a:t>2019/1/20</a:t>
+              <a:t>2019/1/31</a:t>
             </a:fld>
             <a:endParaRPr lang="zh-CN" altLang="en-US"/>
           </a:p>
@@ -1133,7 +1142,7 @@
           <a:p>
             <a:fld id="{0E008487-D9A6-4FDF-9F77-76840FDBA67E}" type="datetimeFigureOut">
               <a:rPr lang="zh-CN" altLang="en-US" smtClean="0"/>
-              <a:t>2019/1/20</a:t>
+              <a:t>2019/1/31</a:t>
             </a:fld>
             <a:endParaRPr lang="zh-CN" altLang="en-US"/>
           </a:p>
@@ -1398,7 +1407,7 @@
           <a:p>
             <a:fld id="{0E008487-D9A6-4FDF-9F77-76840FDBA67E}" type="datetimeFigureOut">
               <a:rPr lang="zh-CN" altLang="en-US" smtClean="0"/>
-              <a:t>2019/1/20</a:t>
+              <a:t>2019/1/31</a:t>
             </a:fld>
             <a:endParaRPr lang="zh-CN" altLang="en-US"/>
           </a:p>
@@ -1810,7 +1819,7 @@
           <a:p>
             <a:fld id="{0E008487-D9A6-4FDF-9F77-76840FDBA67E}" type="datetimeFigureOut">
               <a:rPr lang="zh-CN" altLang="en-US" smtClean="0"/>
-              <a:t>2019/1/20</a:t>
+              <a:t>2019/1/31</a:t>
             </a:fld>
             <a:endParaRPr lang="zh-CN" altLang="en-US"/>
           </a:p>
@@ -1951,7 +1960,7 @@
           <a:p>
             <a:fld id="{0E008487-D9A6-4FDF-9F77-76840FDBA67E}" type="datetimeFigureOut">
               <a:rPr lang="zh-CN" altLang="en-US" smtClean="0"/>
-              <a:t>2019/1/20</a:t>
+              <a:t>2019/1/31</a:t>
             </a:fld>
             <a:endParaRPr lang="zh-CN" altLang="en-US"/>
           </a:p>
@@ -2064,7 +2073,7 @@
           <a:p>
             <a:fld id="{0E008487-D9A6-4FDF-9F77-76840FDBA67E}" type="datetimeFigureOut">
               <a:rPr lang="zh-CN" altLang="en-US" smtClean="0"/>
-              <a:t>2019/1/20</a:t>
+              <a:t>2019/1/31</a:t>
             </a:fld>
             <a:endParaRPr lang="zh-CN" altLang="en-US"/>
           </a:p>
@@ -2375,7 +2384,7 @@
           <a:p>
             <a:fld id="{0E008487-D9A6-4FDF-9F77-76840FDBA67E}" type="datetimeFigureOut">
               <a:rPr lang="zh-CN" altLang="en-US" smtClean="0"/>
-              <a:t>2019/1/20</a:t>
+              <a:t>2019/1/31</a:t>
             </a:fld>
             <a:endParaRPr lang="zh-CN" altLang="en-US"/>
           </a:p>
@@ -2663,7 +2672,7 @@
           <a:p>
             <a:fld id="{0E008487-D9A6-4FDF-9F77-76840FDBA67E}" type="datetimeFigureOut">
               <a:rPr lang="zh-CN" altLang="en-US" smtClean="0"/>
-              <a:t>2019/1/20</a:t>
+              <a:t>2019/1/31</a:t>
             </a:fld>
             <a:endParaRPr lang="zh-CN" altLang="en-US"/>
           </a:p>
@@ -2904,7 +2913,7 @@
           <a:p>
             <a:fld id="{0E008487-D9A6-4FDF-9F77-76840FDBA67E}" type="datetimeFigureOut">
               <a:rPr lang="zh-CN" altLang="en-US" smtClean="0"/>
-              <a:t>2019/1/20</a:t>
+              <a:t>2019/1/31</a:t>
             </a:fld>
             <a:endParaRPr lang="zh-CN" altLang="en-US"/>
           </a:p>
@@ -3342,7 +3351,10 @@
           <a:bodyPr/>
           <a:lstStyle/>
           <a:p>
-            <a:endParaRPr lang="zh-CN" altLang="en-US" dirty="0"/>
+            <a:r>
+              <a:rPr lang="zh-CN" altLang="en-US" dirty="0"/>
+              <a:t>简易交通灯</a:t>
+            </a:r>
           </a:p>
         </p:txBody>
       </p:sp>
@@ -3367,7 +3379,10 @@
           <a:bodyPr/>
           <a:lstStyle/>
           <a:p>
-            <a:endParaRPr lang="zh-CN" altLang="en-US"/>
+            <a:r>
+              <a:rPr lang="zh-CN" altLang="en-US" dirty="0"/>
+              <a:t>陈杰</a:t>
+            </a:r>
           </a:p>
         </p:txBody>
       </p:sp>
@@ -3381,6 +3396,522 @@
   <p:clrMapOvr>
     <a:masterClrMapping/>
   </p:clrMapOvr>
+</p:sld>
+</file>
+
+<file path=ppt/slides/slide2.xml><?xml version="1.0" encoding="utf-8"?>
+<p:sld xmlns:a="http://schemas.openxmlformats.org/drawingml/2006/main" xmlns:r="http://schemas.openxmlformats.org/officeDocument/2006/relationships" xmlns:p="http://schemas.openxmlformats.org/presentationml/2006/main">
+  <p:cSld>
+    <p:spTree>
+      <p:nvGrpSpPr>
+        <p:cNvPr id="1" name=""/>
+        <p:cNvGrpSpPr/>
+        <p:nvPr/>
+      </p:nvGrpSpPr>
+      <p:grpSpPr>
+        <a:xfrm>
+          <a:off x="0" y="0"/>
+          <a:ext cx="0" cy="0"/>
+          <a:chOff x="0" y="0"/>
+          <a:chExt cx="0" cy="0"/>
+        </a:xfrm>
+      </p:grpSpPr>
+      <p:sp>
+        <p:nvSpPr>
+          <p:cNvPr id="2" name="标题 1">
+            <a:extLst>
+              <a:ext uri="{FF2B5EF4-FFF2-40B4-BE49-F238E27FC236}">
+                <a16:creationId xmlns:a16="http://schemas.microsoft.com/office/drawing/2014/main" id="{D79D22E3-C3CF-4E54-A1D2-B3B4F451A17F}"/>
+              </a:ext>
+            </a:extLst>
+          </p:cNvPr>
+          <p:cNvSpPr>
+            <a:spLocks noGrp="1"/>
+          </p:cNvSpPr>
+          <p:nvPr>
+            <p:ph type="title"/>
+          </p:nvPr>
+        </p:nvSpPr>
+        <p:spPr/>
+        <p:txBody>
+          <a:bodyPr/>
+          <a:lstStyle/>
+          <a:p>
+            <a:r>
+              <a:rPr lang="zh-CN" altLang="en-US" dirty="0"/>
+              <a:t>了解交通灯</a:t>
+            </a:r>
+          </a:p>
+        </p:txBody>
+      </p:sp>
+      <p:sp>
+        <p:nvSpPr>
+          <p:cNvPr id="3" name="内容占位符 2">
+            <a:extLst>
+              <a:ext uri="{FF2B5EF4-FFF2-40B4-BE49-F238E27FC236}">
+                <a16:creationId xmlns:a16="http://schemas.microsoft.com/office/drawing/2014/main" id="{8DE149C6-D6BE-4597-B409-DC8A5A6E1973}"/>
+              </a:ext>
+            </a:extLst>
+          </p:cNvPr>
+          <p:cNvSpPr>
+            <a:spLocks noGrp="1"/>
+          </p:cNvSpPr>
+          <p:nvPr>
+            <p:ph idx="1"/>
+          </p:nvPr>
+        </p:nvSpPr>
+        <p:spPr/>
+        <p:txBody>
+          <a:bodyPr/>
+          <a:lstStyle/>
+          <a:p>
+            <a:r>
+              <a:rPr lang="zh-CN" altLang="en-US" dirty="0"/>
+              <a:t>我们先来观看一下交通灯是怎么工作的</a:t>
+            </a:r>
+          </a:p>
+        </p:txBody>
+      </p:sp>
+    </p:spTree>
+    <p:extLst>
+      <p:ext uri="{BB962C8B-B14F-4D97-AF65-F5344CB8AC3E}">
+        <p14:creationId xmlns:p14="http://schemas.microsoft.com/office/powerpoint/2010/main" val="3696902291"/>
+      </p:ext>
+    </p:extLst>
+  </p:cSld>
+  <p:clrMapOvr>
+    <a:masterClrMapping/>
+  </p:clrMapOvr>
+</p:sld>
+</file>
+
+<file path=ppt/slides/slide3.xml><?xml version="1.0" encoding="utf-8"?>
+<p:sld xmlns:a="http://schemas.openxmlformats.org/drawingml/2006/main" xmlns:r="http://schemas.openxmlformats.org/officeDocument/2006/relationships" xmlns:p="http://schemas.openxmlformats.org/presentationml/2006/main">
+  <p:cSld>
+    <p:spTree>
+      <p:nvGrpSpPr>
+        <p:cNvPr id="1" name=""/>
+        <p:cNvGrpSpPr/>
+        <p:nvPr/>
+      </p:nvGrpSpPr>
+      <p:grpSpPr>
+        <a:xfrm>
+          <a:off x="0" y="0"/>
+          <a:ext cx="0" cy="0"/>
+          <a:chOff x="0" y="0"/>
+          <a:chExt cx="0" cy="0"/>
+        </a:xfrm>
+      </p:grpSpPr>
+      <p:sp>
+        <p:nvSpPr>
+          <p:cNvPr id="2" name="标题 1">
+            <a:extLst>
+              <a:ext uri="{FF2B5EF4-FFF2-40B4-BE49-F238E27FC236}">
+                <a16:creationId xmlns:a16="http://schemas.microsoft.com/office/drawing/2014/main" id="{80FAB3AC-8FAB-4BE5-8FBA-EFC840BBF267}"/>
+              </a:ext>
+            </a:extLst>
+          </p:cNvPr>
+          <p:cNvSpPr>
+            <a:spLocks noGrp="1"/>
+          </p:cNvSpPr>
+          <p:nvPr>
+            <p:ph type="title"/>
+          </p:nvPr>
+        </p:nvSpPr>
+        <p:spPr/>
+        <p:txBody>
+          <a:bodyPr/>
+          <a:lstStyle/>
+          <a:p>
+            <a:r>
+              <a:rPr lang="zh-CN" altLang="en-US" dirty="0"/>
+              <a:t>开放题</a:t>
+            </a:r>
+          </a:p>
+        </p:txBody>
+      </p:sp>
+      <p:sp>
+        <p:nvSpPr>
+          <p:cNvPr id="3" name="内容占位符 2">
+            <a:extLst>
+              <a:ext uri="{FF2B5EF4-FFF2-40B4-BE49-F238E27FC236}">
+                <a16:creationId xmlns:a16="http://schemas.microsoft.com/office/drawing/2014/main" id="{A88DD802-2602-4B4F-B9C1-A954EA5D909B}"/>
+              </a:ext>
+            </a:extLst>
+          </p:cNvPr>
+          <p:cNvSpPr>
+            <a:spLocks noGrp="1"/>
+          </p:cNvSpPr>
+          <p:nvPr>
+            <p:ph idx="1"/>
+          </p:nvPr>
+        </p:nvSpPr>
+        <p:spPr/>
+        <p:txBody>
+          <a:bodyPr/>
+          <a:lstStyle/>
+          <a:p>
+            <a:r>
+              <a:rPr lang="zh-CN" altLang="en-US" dirty="0"/>
+              <a:t>提供材料：</a:t>
+            </a:r>
+            <a:r>
+              <a:rPr lang="en-US" altLang="zh-CN" dirty="0" err="1"/>
+              <a:t>micro:bit</a:t>
+            </a:r>
+            <a:r>
+              <a:rPr lang="zh-CN" altLang="en-US" dirty="0"/>
+              <a:t>*</a:t>
+            </a:r>
+            <a:r>
+              <a:rPr lang="en-US" altLang="zh-CN" dirty="0"/>
+              <a:t>1</a:t>
+            </a:r>
+            <a:r>
+              <a:rPr lang="zh-CN" altLang="en-US" dirty="0"/>
+              <a:t>、红黄绿</a:t>
+            </a:r>
+            <a:r>
+              <a:rPr lang="en-US" altLang="zh-CN" dirty="0"/>
+              <a:t>LED</a:t>
+            </a:r>
+            <a:r>
+              <a:rPr lang="zh-CN" altLang="en-US" dirty="0"/>
+              <a:t>灯各*</a:t>
+            </a:r>
+            <a:r>
+              <a:rPr lang="en-US" altLang="zh-CN" dirty="0"/>
+              <a:t>1</a:t>
+            </a:r>
+            <a:r>
+              <a:rPr lang="zh-CN" altLang="en-US" dirty="0"/>
+              <a:t>、扩展板*</a:t>
+            </a:r>
+            <a:r>
+              <a:rPr lang="en-US" altLang="zh-CN" dirty="0"/>
+              <a:t>1</a:t>
+            </a:r>
+            <a:r>
+              <a:rPr lang="zh-CN" altLang="en-US" dirty="0"/>
+              <a:t>、面包板*</a:t>
+            </a:r>
+            <a:r>
+              <a:rPr lang="en-US" altLang="zh-CN" dirty="0"/>
+              <a:t>1</a:t>
+            </a:r>
+            <a:r>
+              <a:rPr lang="zh-CN" altLang="en-US" dirty="0"/>
+              <a:t>、杜邦线若干</a:t>
+            </a:r>
+            <a:endParaRPr lang="en-US" altLang="zh-CN" dirty="0"/>
+          </a:p>
+          <a:p>
+            <a:r>
+              <a:rPr lang="zh-CN" altLang="en-US" dirty="0"/>
+              <a:t>根据我们所了解到的交通灯情况</a:t>
+            </a:r>
+            <a:endParaRPr lang="en-US" altLang="zh-CN" dirty="0"/>
+          </a:p>
+          <a:p>
+            <a:r>
+              <a:rPr lang="zh-CN" altLang="en-US" dirty="0"/>
+              <a:t>分解步骤、寻找规律、编写程序</a:t>
+            </a:r>
+            <a:endParaRPr lang="en-US" altLang="zh-CN" dirty="0"/>
+          </a:p>
+          <a:p>
+            <a:r>
+              <a:rPr lang="zh-CN" altLang="en-US" dirty="0"/>
+              <a:t>这里应有一条打开文件的链接</a:t>
+            </a:r>
+          </a:p>
+        </p:txBody>
+      </p:sp>
+    </p:spTree>
+    <p:extLst>
+      <p:ext uri="{BB962C8B-B14F-4D97-AF65-F5344CB8AC3E}">
+        <p14:creationId xmlns:p14="http://schemas.microsoft.com/office/powerpoint/2010/main" val="3046873260"/>
+      </p:ext>
+    </p:extLst>
+  </p:cSld>
+  <p:clrMapOvr>
+    <a:masterClrMapping/>
+  </p:clrMapOvr>
+</p:sld>
+</file>
+
+<file path=ppt/slides/slide4.xml><?xml version="1.0" encoding="utf-8"?>
+<p:sld xmlns:a="http://schemas.openxmlformats.org/drawingml/2006/main" xmlns:r="http://schemas.openxmlformats.org/officeDocument/2006/relationships" xmlns:p="http://schemas.openxmlformats.org/presentationml/2006/main">
+  <p:cSld>
+    <p:spTree>
+      <p:nvGrpSpPr>
+        <p:cNvPr id="1" name=""/>
+        <p:cNvGrpSpPr/>
+        <p:nvPr/>
+      </p:nvGrpSpPr>
+      <p:grpSpPr>
+        <a:xfrm>
+          <a:off x="0" y="0"/>
+          <a:ext cx="0" cy="0"/>
+          <a:chOff x="0" y="0"/>
+          <a:chExt cx="0" cy="0"/>
+        </a:xfrm>
+      </p:grpSpPr>
+      <p:sp>
+        <p:nvSpPr>
+          <p:cNvPr id="2" name="标题 1">
+            <a:extLst>
+              <a:ext uri="{FF2B5EF4-FFF2-40B4-BE49-F238E27FC236}">
+                <a16:creationId xmlns:a16="http://schemas.microsoft.com/office/drawing/2014/main" id="{180A35F2-8122-4A0A-84FB-4B71837F10FF}"/>
+              </a:ext>
+            </a:extLst>
+          </p:cNvPr>
+          <p:cNvSpPr>
+            <a:spLocks noGrp="1"/>
+          </p:cNvSpPr>
+          <p:nvPr>
+            <p:ph type="title"/>
+          </p:nvPr>
+        </p:nvSpPr>
+        <p:spPr>
+          <a:xfrm>
+            <a:off x="838200" y="2766218"/>
+            <a:ext cx="10515600" cy="1325563"/>
+          </a:xfrm>
+        </p:spPr>
+        <p:txBody>
+          <a:bodyPr/>
+          <a:lstStyle/>
+          <a:p>
+            <a:pPr algn="ctr"/>
+            <a:r>
+              <a:rPr lang="zh-CN" altLang="en-US" dirty="0"/>
+              <a:t>大家应该都完成得差不多了吧</a:t>
+            </a:r>
+          </a:p>
+        </p:txBody>
+      </p:sp>
+    </p:spTree>
+    <p:extLst>
+      <p:ext uri="{BB962C8B-B14F-4D97-AF65-F5344CB8AC3E}">
+        <p14:creationId xmlns:p14="http://schemas.microsoft.com/office/powerpoint/2010/main" val="2177082723"/>
+      </p:ext>
+    </p:extLst>
+  </p:cSld>
+  <p:clrMapOvr>
+    <a:masterClrMapping/>
+  </p:clrMapOvr>
+</p:sld>
+</file>
+
+<file path=ppt/slides/slide5.xml><?xml version="1.0" encoding="utf-8"?>
+<p:sld xmlns:a="http://schemas.openxmlformats.org/drawingml/2006/main" xmlns:r="http://schemas.openxmlformats.org/officeDocument/2006/relationships" xmlns:p="http://schemas.openxmlformats.org/presentationml/2006/main">
+  <p:cSld>
+    <p:spTree>
+      <p:nvGrpSpPr>
+        <p:cNvPr id="1" name=""/>
+        <p:cNvGrpSpPr/>
+        <p:nvPr/>
+      </p:nvGrpSpPr>
+      <p:grpSpPr>
+        <a:xfrm>
+          <a:off x="0" y="0"/>
+          <a:ext cx="0" cy="0"/>
+          <a:chOff x="0" y="0"/>
+          <a:chExt cx="0" cy="0"/>
+        </a:xfrm>
+      </p:grpSpPr>
+      <p:sp>
+        <p:nvSpPr>
+          <p:cNvPr id="2" name="标题 1">
+            <a:extLst>
+              <a:ext uri="{FF2B5EF4-FFF2-40B4-BE49-F238E27FC236}">
+                <a16:creationId xmlns:a16="http://schemas.microsoft.com/office/drawing/2014/main" id="{6880A803-BE05-4790-AE67-E0EEE6F525BF}"/>
+              </a:ext>
+            </a:extLst>
+          </p:cNvPr>
+          <p:cNvSpPr>
+            <a:spLocks noGrp="1"/>
+          </p:cNvSpPr>
+          <p:nvPr>
+            <p:ph type="title"/>
+          </p:nvPr>
+        </p:nvSpPr>
+        <p:spPr/>
+        <p:txBody>
+          <a:bodyPr/>
+          <a:lstStyle/>
+          <a:p>
+            <a:r>
+              <a:rPr lang="zh-CN" altLang="en-US" dirty="0"/>
+              <a:t>现在我们来讲解一下例程</a:t>
+            </a:r>
+          </a:p>
+        </p:txBody>
+      </p:sp>
+      <p:sp>
+        <p:nvSpPr>
+          <p:cNvPr id="3" name="内容占位符 2">
+            <a:extLst>
+              <a:ext uri="{FF2B5EF4-FFF2-40B4-BE49-F238E27FC236}">
+                <a16:creationId xmlns:a16="http://schemas.microsoft.com/office/drawing/2014/main" id="{55065AD4-28CA-4970-8177-F1A0612792E9}"/>
+              </a:ext>
+            </a:extLst>
+          </p:cNvPr>
+          <p:cNvSpPr>
+            <a:spLocks noGrp="1"/>
+          </p:cNvSpPr>
+          <p:nvPr>
+            <p:ph idx="1"/>
+          </p:nvPr>
+        </p:nvSpPr>
+        <p:spPr/>
+        <p:txBody>
+          <a:bodyPr/>
+          <a:lstStyle/>
+          <a:p>
+            <a:endParaRPr lang="en-US" altLang="zh-CN" dirty="0"/>
+          </a:p>
+          <a:p>
+            <a:endParaRPr lang="en-US" altLang="zh-CN" dirty="0"/>
+          </a:p>
+          <a:p>
+            <a:endParaRPr lang="en-US" altLang="zh-CN" dirty="0"/>
+          </a:p>
+        </p:txBody>
+      </p:sp>
+      <p:sp>
+        <p:nvSpPr>
+          <p:cNvPr id="4" name="文本框 3">
+            <a:extLst>
+              <a:ext uri="{FF2B5EF4-FFF2-40B4-BE49-F238E27FC236}">
+                <a16:creationId xmlns:a16="http://schemas.microsoft.com/office/drawing/2014/main" id="{30A97967-6E23-451D-B2FE-630B9D2B6BA9}"/>
+              </a:ext>
+            </a:extLst>
+          </p:cNvPr>
+          <p:cNvSpPr txBox="1"/>
+          <p:nvPr/>
+        </p:nvSpPr>
+        <p:spPr>
+          <a:xfrm>
+            <a:off x="2046738" y="1825625"/>
+            <a:ext cx="8098523" cy="954107"/>
+          </a:xfrm>
+          <a:prstGeom prst="rect">
+            <a:avLst/>
+          </a:prstGeom>
+          <a:noFill/>
+        </p:spPr>
+        <p:txBody>
+          <a:bodyPr wrap="square" rtlCol="0">
+            <a:spAutoFit/>
+          </a:bodyPr>
+          <a:lstStyle/>
+          <a:p>
+            <a:pPr algn="ctr"/>
+            <a:r>
+              <a:rPr lang="zh-CN" altLang="en-US" sz="2800" dirty="0"/>
+              <a:t>这里之所以叫例程，是因为这只是实现这个功能的一个例子，还可以用其他方法来实现的</a:t>
+            </a:r>
+          </a:p>
+        </p:txBody>
+      </p:sp>
+    </p:spTree>
+    <p:extLst>
+      <p:ext uri="{BB962C8B-B14F-4D97-AF65-F5344CB8AC3E}">
+        <p14:creationId xmlns:p14="http://schemas.microsoft.com/office/powerpoint/2010/main" val="3327725457"/>
+      </p:ext>
+    </p:extLst>
+  </p:cSld>
+  <p:clrMapOvr>
+    <a:masterClrMapping/>
+  </p:clrMapOvr>
+  <p:timing>
+    <p:tnLst>
+      <p:par>
+        <p:cTn id="1" dur="indefinite" restart="never" nodeType="tmRoot">
+          <p:childTnLst>
+            <p:seq concurrent="1" nextAc="seek">
+              <p:cTn id="2" dur="indefinite" nodeType="mainSeq">
+                <p:childTnLst>
+                  <p:par>
+                    <p:cTn id="3" fill="hold">
+                      <p:stCondLst>
+                        <p:cond delay="indefinite"/>
+                      </p:stCondLst>
+                      <p:childTnLst>
+                        <p:par>
+                          <p:cTn id="4" fill="hold">
+                            <p:stCondLst>
+                              <p:cond delay="0"/>
+                            </p:stCondLst>
+                            <p:childTnLst>
+                              <p:par>
+                                <p:cTn id="5" presetID="10" presetClass="entr" presetSubtype="0" fill="hold" grpId="0" nodeType="clickEffect">
+                                  <p:stCondLst>
+                                    <p:cond delay="0"/>
+                                  </p:stCondLst>
+                                  <p:childTnLst>
+                                    <p:set>
+                                      <p:cBhvr>
+                                        <p:cTn id="6" dur="1" fill="hold">
+                                          <p:stCondLst>
+                                            <p:cond delay="0"/>
+                                          </p:stCondLst>
+                                        </p:cTn>
+                                        <p:tgtEl>
+                                          <p:spTgt spid="4"/>
+                                        </p:tgtEl>
+                                        <p:attrNameLst>
+                                          <p:attrName>style.visibility</p:attrName>
+                                        </p:attrNameLst>
+                                      </p:cBhvr>
+                                      <p:to>
+                                        <p:strVal val="visible"/>
+                                      </p:to>
+                                    </p:set>
+                                    <p:animEffect transition="in" filter="fade">
+                                      <p:cBhvr>
+                                        <p:cTn id="7" dur="500"/>
+                                        <p:tgtEl>
+                                          <p:spTgt spid="4"/>
+                                        </p:tgtEl>
+                                      </p:cBhvr>
+                                    </p:animEffect>
+                                  </p:childTnLst>
+                                </p:cTn>
+                              </p:par>
+                            </p:childTnLst>
+                          </p:cTn>
+                        </p:par>
+                      </p:childTnLst>
+                    </p:cTn>
+                  </p:par>
+                </p:childTnLst>
+              </p:cTn>
+              <p:prevCondLst>
+                <p:cond evt="onPrev" delay="0">
+                  <p:tgtEl>
+                    <p:sldTgt/>
+                  </p:tgtEl>
+                </p:cond>
+              </p:prevCondLst>
+              <p:nextCondLst>
+                <p:cond evt="onNext" delay="0">
+                  <p:tgtEl>
+                    <p:sldTgt/>
+                  </p:tgtEl>
+                </p:cond>
+              </p:nextCondLst>
+            </p:seq>
+          </p:childTnLst>
+        </p:cTn>
+      </p:par>
+    </p:tnLst>
+    <p:bldLst>
+      <p:bldP spid="4" grpId="0"/>
+    </p:bldLst>
+  </p:timing>
 </p:sld>
 </file>
 

--- a/micro_bit/microbit课件/4.小结.pptx
+++ b/micro_bit/microbit课件/4.小结.pptx
@@ -3469,6 +3469,16 @@
               <a:rPr lang="zh-CN" altLang="en-US" dirty="0"/>
               <a:t>我们先来观看一下交通灯是怎么工作的</a:t>
             </a:r>
+            <a:endParaRPr lang="en-US" altLang="zh-CN" dirty="0"/>
+          </a:p>
+          <a:p>
+            <a:endParaRPr lang="en-US" altLang="zh-CN" dirty="0"/>
+          </a:p>
+          <a:p>
+            <a:r>
+              <a:rPr lang="zh-CN" altLang="en-US" dirty="0"/>
+              <a:t>此处应有交通灯视频</a:t>
+            </a:r>
           </a:p>
         </p:txBody>
       </p:sp>
@@ -3619,12 +3629,6 @@
             </a:r>
             <a:endParaRPr lang="en-US" altLang="zh-CN" dirty="0"/>
           </a:p>
-          <a:p>
-            <a:r>
-              <a:rPr lang="zh-CN" altLang="en-US" dirty="0"/>
-              <a:t>这里应有一条打开文件的链接</a:t>
-            </a:r>
-          </a:p>
         </p:txBody>
       </p:sp>
     </p:spTree>
@@ -3776,7 +3780,22 @@
             <a:endParaRPr lang="en-US" altLang="zh-CN" dirty="0"/>
           </a:p>
           <a:p>
+            <a:r>
+              <a:rPr lang="zh-CN" altLang="en-US" dirty="0"/>
+              <a:t>此处应有一条打开文件的链接</a:t>
+            </a:r>
             <a:endParaRPr lang="en-US" altLang="zh-CN" dirty="0"/>
+          </a:p>
+          <a:p>
+            <a:r>
+              <a:rPr lang="en-US" altLang="zh-CN" dirty="0" err="1"/>
+              <a:t>blablabla</a:t>
+            </a:r>
+            <a:r>
+              <a:rPr lang="en-US" altLang="zh-CN" dirty="0"/>
+              <a:t>……</a:t>
+            </a:r>
+            <a:endParaRPr lang="zh-CN" altLang="en-US" dirty="0"/>
           </a:p>
         </p:txBody>
       </p:sp>
